--- a/Tictactoe_presentation.pptx
+++ b/Tictactoe_presentation.pptx
@@ -6,12 +6,14 @@
   </p:sldMasterIdLst>
   <p:sldIdLst>
     <p:sldId id="256" r:id="rId2"/>
-    <p:sldId id="257" r:id="rId3"/>
-    <p:sldId id="258" r:id="rId4"/>
+    <p:sldId id="258" r:id="rId3"/>
+    <p:sldId id="257" r:id="rId4"/>
     <p:sldId id="259" r:id="rId5"/>
-    <p:sldId id="260" r:id="rId6"/>
-    <p:sldId id="261" r:id="rId7"/>
-    <p:sldId id="262" r:id="rId8"/>
+    <p:sldId id="263" r:id="rId6"/>
+    <p:sldId id="260" r:id="rId7"/>
+    <p:sldId id="261" r:id="rId8"/>
+    <p:sldId id="262" r:id="rId9"/>
+    <p:sldId id="264" r:id="rId10"/>
   </p:sldIdLst>
   <p:sldSz cx="12192000" cy="6858000"/>
   <p:notesSz cx="6858000" cy="9144000"/>
@@ -5572,6 +5574,154 @@
         </p:nvSpPr>
         <p:spPr>
           <a:xfrm>
+            <a:off x="684212" y="406398"/>
+            <a:ext cx="8534400" cy="1507067"/>
+          </a:xfrm>
+        </p:spPr>
+        <p:txBody>
+          <a:bodyPr/>
+          <a:lstStyle/>
+          <a:p>
+            <a:r>
+              <a:rPr lang="ru-RU" dirty="0" smtClean="0"/>
+              <a:t>Актуальность проекта</a:t>
+            </a:r>
+            <a:endParaRPr lang="ru-RU" dirty="0"/>
+          </a:p>
+        </p:txBody>
+      </p:sp>
+      <p:sp>
+        <p:nvSpPr>
+          <p:cNvPr id="3" name="Объект 2"/>
+          <p:cNvSpPr>
+            <a:spLocks noGrp="1"/>
+          </p:cNvSpPr>
+          <p:nvPr>
+            <p:ph idx="1"/>
+          </p:nvPr>
+        </p:nvSpPr>
+        <p:spPr>
+          <a:xfrm>
+            <a:off x="684212" y="1727200"/>
+            <a:ext cx="8534400" cy="4580467"/>
+          </a:xfrm>
+        </p:spPr>
+        <p:txBody>
+          <a:bodyPr>
+            <a:normAutofit fontScale="92500" lnSpcReduction="20000"/>
+          </a:bodyPr>
+          <a:lstStyle/>
+          <a:p>
+            <a:r>
+              <a:rPr lang="ru-RU" dirty="0">
+                <a:solidFill>
+                  <a:schemeClr val="tx1"/>
+                </a:solidFill>
+              </a:rPr>
+              <a:t>Ряд современных исследователей уделяет большое внимание совершенствованию ряда   методов и приёмов по развитию мелкой моторики, способствующих преодолению психофизиологических нарушений. Особенное внимание уделяется развитию мелкой моторики у детей с особенностями развития</a:t>
+            </a:r>
+            <a:r>
+              <a:rPr lang="ru-RU" dirty="0" smtClean="0">
+                <a:solidFill>
+                  <a:schemeClr val="tx1"/>
+                </a:solidFill>
+              </a:rPr>
+              <a:t>.</a:t>
+            </a:r>
+          </a:p>
+          <a:p>
+            <a:r>
+              <a:rPr lang="ru-RU" dirty="0">
+                <a:solidFill>
+                  <a:schemeClr val="tx1"/>
+                </a:solidFill>
+              </a:rPr>
+              <a:t>У детей наблюдается замедленное, недостаточное, зрительное восприятие, обусловленное невозможностью фиксации взора и прослеживания за предметами. У многих детей отмечаются нарушения координации движений глаз и рук. Перечисленные особенности сочетаются с общей моторной недостаточностью</a:t>
+            </a:r>
+            <a:r>
+              <a:rPr lang="ru-RU" dirty="0" smtClean="0">
+                <a:solidFill>
+                  <a:schemeClr val="tx1"/>
+                </a:solidFill>
+              </a:rPr>
+              <a:t>.</a:t>
+            </a:r>
+          </a:p>
+          <a:p>
+            <a:r>
+              <a:rPr lang="ru-RU" dirty="0">
+                <a:solidFill>
+                  <a:schemeClr val="tx1"/>
+                </a:solidFill>
+              </a:rPr>
+              <a:t>Проект направлен на облегчение процесса тренировки внимания и моторики у детей с отклонениями в развитии. Игра превращает монотонные занятия в интерактивный и увлекательный процесс для детей, в разы упрощая труд воспитателей.</a:t>
+            </a:r>
+          </a:p>
+          <a:p>
+            <a:endParaRPr lang="ru-RU" dirty="0">
+              <a:solidFill>
+                <a:schemeClr val="tx1"/>
+              </a:solidFill>
+            </a:endParaRPr>
+          </a:p>
+          <a:p>
+            <a:endParaRPr lang="ru-RU" dirty="0">
+              <a:solidFill>
+                <a:schemeClr val="tx1"/>
+              </a:solidFill>
+            </a:endParaRPr>
+          </a:p>
+        </p:txBody>
+      </p:sp>
+    </p:spTree>
+    <p:extLst>
+      <p:ext uri="{BB962C8B-B14F-4D97-AF65-F5344CB8AC3E}">
+        <p14:creationId xmlns:p14="http://schemas.microsoft.com/office/powerpoint/2010/main" val="800133761"/>
+      </p:ext>
+    </p:extLst>
+  </p:cSld>
+  <p:clrMapOvr>
+    <a:masterClrMapping/>
+  </p:clrMapOvr>
+  <p:timing>
+    <p:tnLst>
+      <p:par>
+        <p:cTn id="1" dur="indefinite" restart="never" nodeType="tmRoot"/>
+      </p:par>
+    </p:tnLst>
+  </p:timing>
+</p:sld>
+</file>
+
+<file path=ppt/slides/slide3.xml><?xml version="1.0" encoding="utf-8"?>
+<p:sld xmlns:a="http://schemas.openxmlformats.org/drawingml/2006/main" xmlns:r="http://schemas.openxmlformats.org/officeDocument/2006/relationships" xmlns:p="http://schemas.openxmlformats.org/presentationml/2006/main">
+  <p:cSld>
+    <p:spTree>
+      <p:nvGrpSpPr>
+        <p:cNvPr id="1" name=""/>
+        <p:cNvGrpSpPr/>
+        <p:nvPr/>
+      </p:nvGrpSpPr>
+      <p:grpSpPr>
+        <a:xfrm>
+          <a:off x="0" y="0"/>
+          <a:ext cx="0" cy="0"/>
+          <a:chOff x="0" y="0"/>
+          <a:chExt cx="0" cy="0"/>
+        </a:xfrm>
+      </p:grpSpPr>
+      <p:sp>
+        <p:nvSpPr>
+          <p:cNvPr id="2" name="Заголовок 1"/>
+          <p:cNvSpPr>
+            <a:spLocks noGrp="1"/>
+          </p:cNvSpPr>
+          <p:nvPr>
+            <p:ph type="title"/>
+          </p:nvPr>
+        </p:nvSpPr>
+        <p:spPr>
+          <a:xfrm>
             <a:off x="1443789" y="240632"/>
             <a:ext cx="7779668" cy="1539151"/>
           </a:xfrm>
@@ -5704,154 +5854,6 @@
 </p:sld>
 </file>
 
-<file path=ppt/slides/slide3.xml><?xml version="1.0" encoding="utf-8"?>
-<p:sld xmlns:a="http://schemas.openxmlformats.org/drawingml/2006/main" xmlns:r="http://schemas.openxmlformats.org/officeDocument/2006/relationships" xmlns:p="http://schemas.openxmlformats.org/presentationml/2006/main">
-  <p:cSld>
-    <p:spTree>
-      <p:nvGrpSpPr>
-        <p:cNvPr id="1" name=""/>
-        <p:cNvGrpSpPr/>
-        <p:nvPr/>
-      </p:nvGrpSpPr>
-      <p:grpSpPr>
-        <a:xfrm>
-          <a:off x="0" y="0"/>
-          <a:ext cx="0" cy="0"/>
-          <a:chOff x="0" y="0"/>
-          <a:chExt cx="0" cy="0"/>
-        </a:xfrm>
-      </p:grpSpPr>
-      <p:sp>
-        <p:nvSpPr>
-          <p:cNvPr id="2" name="Заголовок 1"/>
-          <p:cNvSpPr>
-            <a:spLocks noGrp="1"/>
-          </p:cNvSpPr>
-          <p:nvPr>
-            <p:ph type="title"/>
-          </p:nvPr>
-        </p:nvSpPr>
-        <p:spPr>
-          <a:xfrm>
-            <a:off x="684212" y="406398"/>
-            <a:ext cx="8534400" cy="1507067"/>
-          </a:xfrm>
-        </p:spPr>
-        <p:txBody>
-          <a:bodyPr/>
-          <a:lstStyle/>
-          <a:p>
-            <a:r>
-              <a:rPr lang="ru-RU" dirty="0" smtClean="0"/>
-              <a:t>Актуальность проекта</a:t>
-            </a:r>
-            <a:endParaRPr lang="ru-RU" dirty="0"/>
-          </a:p>
-        </p:txBody>
-      </p:sp>
-      <p:sp>
-        <p:nvSpPr>
-          <p:cNvPr id="3" name="Объект 2"/>
-          <p:cNvSpPr>
-            <a:spLocks noGrp="1"/>
-          </p:cNvSpPr>
-          <p:nvPr>
-            <p:ph idx="1"/>
-          </p:nvPr>
-        </p:nvSpPr>
-        <p:spPr>
-          <a:xfrm>
-            <a:off x="684212" y="1727200"/>
-            <a:ext cx="8534400" cy="4580467"/>
-          </a:xfrm>
-        </p:spPr>
-        <p:txBody>
-          <a:bodyPr>
-            <a:normAutofit fontScale="92500" lnSpcReduction="20000"/>
-          </a:bodyPr>
-          <a:lstStyle/>
-          <a:p>
-            <a:r>
-              <a:rPr lang="ru-RU" dirty="0">
-                <a:solidFill>
-                  <a:schemeClr val="tx1"/>
-                </a:solidFill>
-              </a:rPr>
-              <a:t>Ряд современных исследователей уделяет большое внимание совершенствованию ряда   методов и приёмов по развитию мелкой моторики, способствующих преодолению психофизиологических нарушений. Особенное внимание уделяется развитию мелкой моторики у детей с особенностями развития</a:t>
-            </a:r>
-            <a:r>
-              <a:rPr lang="ru-RU" dirty="0" smtClean="0">
-                <a:solidFill>
-                  <a:schemeClr val="tx1"/>
-                </a:solidFill>
-              </a:rPr>
-              <a:t>.</a:t>
-            </a:r>
-          </a:p>
-          <a:p>
-            <a:r>
-              <a:rPr lang="ru-RU" dirty="0">
-                <a:solidFill>
-                  <a:schemeClr val="tx1"/>
-                </a:solidFill>
-              </a:rPr>
-              <a:t>У детей наблюдается замедленное, недостаточное, зрительное восприятие, обусловленное невозможностью фиксации взора и прослеживания за предметами. У многих детей отмечаются нарушения координации движений глаз и рук. Перечисленные особенности сочетаются с общей моторной недостаточностью</a:t>
-            </a:r>
-            <a:r>
-              <a:rPr lang="ru-RU" dirty="0" smtClean="0">
-                <a:solidFill>
-                  <a:schemeClr val="tx1"/>
-                </a:solidFill>
-              </a:rPr>
-              <a:t>.</a:t>
-            </a:r>
-          </a:p>
-          <a:p>
-            <a:r>
-              <a:rPr lang="ru-RU" dirty="0">
-                <a:solidFill>
-                  <a:schemeClr val="tx1"/>
-                </a:solidFill>
-              </a:rPr>
-              <a:t>Проект направлен на облегчение процесса тренировки внимания и моторики у детей с отклонениями в развитии. Игра превращает монотонные занятия в интерактивный и увлекательный процесс для детей, в разы упрощая труд воспитателей.</a:t>
-            </a:r>
-          </a:p>
-          <a:p>
-            <a:endParaRPr lang="ru-RU" dirty="0">
-              <a:solidFill>
-                <a:schemeClr val="tx1"/>
-              </a:solidFill>
-            </a:endParaRPr>
-          </a:p>
-          <a:p>
-            <a:endParaRPr lang="ru-RU" dirty="0">
-              <a:solidFill>
-                <a:schemeClr val="tx1"/>
-              </a:solidFill>
-            </a:endParaRPr>
-          </a:p>
-        </p:txBody>
-      </p:sp>
-    </p:spTree>
-    <p:extLst>
-      <p:ext uri="{BB962C8B-B14F-4D97-AF65-F5344CB8AC3E}">
-        <p14:creationId xmlns:p14="http://schemas.microsoft.com/office/powerpoint/2010/main" val="800133761"/>
-      </p:ext>
-    </p:extLst>
-  </p:cSld>
-  <p:clrMapOvr>
-    <a:masterClrMapping/>
-  </p:clrMapOvr>
-  <p:timing>
-    <p:tnLst>
-      <p:par>
-        <p:cTn id="1" dur="indefinite" restart="never" nodeType="tmRoot"/>
-      </p:par>
-    </p:tnLst>
-  </p:timing>
-</p:sld>
-</file>
-
 <file path=ppt/slides/slide4.xml><?xml version="1.0" encoding="utf-8"?>
 <p:sld xmlns:a="http://schemas.openxmlformats.org/drawingml/2006/main" xmlns:r="http://schemas.openxmlformats.org/officeDocument/2006/relationships" xmlns:p="http://schemas.openxmlformats.org/presentationml/2006/main">
   <p:cSld>
@@ -5970,7 +5972,7 @@
         </p:nvSpPr>
         <p:spPr>
           <a:xfrm>
-            <a:off x="704747" y="0"/>
+            <a:off x="684212" y="592666"/>
             <a:ext cx="8534400" cy="1507067"/>
           </a:xfrm>
         </p:spPr>
@@ -5980,24 +5982,97 @@
           <a:p>
             <a:r>
               <a:rPr lang="ru-RU" dirty="0" smtClean="0"/>
-              <a:t>Конструкция устройства</a:t>
+              <a:t>Аналоги</a:t>
             </a:r>
             <a:endParaRPr lang="ru-RU" dirty="0"/>
+          </a:p>
+        </p:txBody>
+      </p:sp>
+      <p:sp>
+        <p:nvSpPr>
+          <p:cNvPr id="3" name="Объект 2"/>
+          <p:cNvSpPr>
+            <a:spLocks noGrp="1"/>
+          </p:cNvSpPr>
+          <p:nvPr>
+            <p:ph idx="1"/>
+          </p:nvPr>
+        </p:nvSpPr>
+        <p:spPr>
+          <a:xfrm>
+            <a:off x="684212" y="2396068"/>
+            <a:ext cx="8534400" cy="3615267"/>
+          </a:xfrm>
+        </p:spPr>
+        <p:txBody>
+          <a:bodyPr/>
+          <a:lstStyle/>
+          <a:p>
+            <a:r>
+              <a:rPr lang="ru-RU" dirty="0" smtClean="0">
+                <a:solidFill>
+                  <a:schemeClr val="tx1"/>
+                </a:solidFill>
+              </a:rPr>
+              <a:t>На данный момент нет никаких интерактивных тренажёров, всё ограничивается или приспособлениями для разминки рук или простыми головоломками. Моя работа совмещает в себе и развитие концентрации и работу над моторикой рук.</a:t>
+            </a:r>
+            <a:endParaRPr lang="ru-RU" dirty="0">
+              <a:solidFill>
+                <a:schemeClr val="tx1"/>
+              </a:solidFill>
+            </a:endParaRPr>
           </a:p>
         </p:txBody>
       </p:sp>
       <p:pic>
         <p:nvPicPr>
-          <p:cNvPr id="4" name="Объект 3"/>
+          <p:cNvPr id="4" name="Рисунок 3"/>
           <p:cNvPicPr>
-            <a:picLocks noGrp="1" noChangeAspect="1"/>
+            <a:picLocks noChangeAspect="1"/>
           </p:cNvPicPr>
-          <p:nvPr>
-            <p:ph idx="1"/>
-          </p:nvPr>
+          <p:nvPr/>
         </p:nvPicPr>
         <p:blipFill>
           <a:blip r:embed="rId2">
+            <a:extLst>
+              <a:ext uri="{BEBA8EAE-BF5A-486C-A8C5-ECC9F3942E4B}">
+                <a14:imgProps xmlns:a14="http://schemas.microsoft.com/office/drawing/2010/main">
+                  <a14:imgLayer r:embed="rId3">
+                    <a14:imgEffect>
+                      <a14:backgroundRemoval t="12000" b="92000" l="0" r="100000"/>
+                    </a14:imgEffect>
+                  </a14:imgLayer>
+                </a14:imgProps>
+              </a:ext>
+              <a:ext uri="{28A0092B-C50C-407E-A947-70E740481C1C}">
+                <a14:useLocalDpi xmlns:a14="http://schemas.microsoft.com/office/drawing/2010/main" val="0"/>
+              </a:ext>
+            </a:extLst>
+          </a:blip>
+          <a:stretch>
+            <a:fillRect/>
+          </a:stretch>
+        </p:blipFill>
+        <p:spPr>
+          <a:xfrm>
+            <a:off x="7324292" y="252943"/>
+            <a:ext cx="2965017" cy="2965017"/>
+          </a:xfrm>
+          <a:prstGeom prst="rect">
+            <a:avLst/>
+          </a:prstGeom>
+        </p:spPr>
+      </p:pic>
+      <p:pic>
+        <p:nvPicPr>
+          <p:cNvPr id="5" name="Рисунок 4"/>
+          <p:cNvPicPr>
+            <a:picLocks noChangeAspect="1"/>
+          </p:cNvPicPr>
+          <p:nvPr/>
+        </p:nvPicPr>
+        <p:blipFill>
+          <a:blip r:embed="rId4">
             <a:extLst>
               <a:ext uri="{28A0092B-C50C-407E-A947-70E740481C1C}">
                 <a14:useLocalDpi xmlns:a14="http://schemas.microsoft.com/office/drawing/2010/main" val="0"/>
@@ -6010,121 +6085,18 @@
         </p:blipFill>
         <p:spPr>
           <a:xfrm>
-            <a:off x="580734" y="1380067"/>
-            <a:ext cx="6266614" cy="5188532"/>
-          </a:xfrm>
-        </p:spPr>
-      </p:pic>
-      <p:pic>
-        <p:nvPicPr>
-          <p:cNvPr id="5" name="Рисунок 4"/>
-          <p:cNvPicPr>
-            <a:picLocks noChangeAspect="1"/>
-          </p:cNvPicPr>
-          <p:nvPr/>
-        </p:nvPicPr>
-        <p:blipFill>
-          <a:blip r:embed="rId3">
-            <a:extLst>
-              <a:ext uri="{28A0092B-C50C-407E-A947-70E740481C1C}">
-                <a14:useLocalDpi xmlns:a14="http://schemas.microsoft.com/office/drawing/2010/main" val="0"/>
-              </a:ext>
-            </a:extLst>
-          </a:blip>
-          <a:stretch>
-            <a:fillRect/>
-          </a:stretch>
-        </p:blipFill>
-        <p:spPr>
-          <a:xfrm>
-            <a:off x="7461772" y="166682"/>
-            <a:ext cx="3751976" cy="3328685"/>
+            <a:off x="3962544" y="505402"/>
+            <a:ext cx="2807711" cy="2845483"/>
           </a:xfrm>
           <a:prstGeom prst="rect">
             <a:avLst/>
           </a:prstGeom>
         </p:spPr>
       </p:pic>
-      <p:pic>
-        <p:nvPicPr>
-          <p:cNvPr id="6" name="Рисунок 5"/>
-          <p:cNvPicPr/>
-          <p:nvPr/>
-        </p:nvPicPr>
-        <p:blipFill>
-          <a:blip r:embed="rId4"/>
-          <a:stretch>
-            <a:fillRect/>
-          </a:stretch>
-        </p:blipFill>
-        <p:spPr>
-          <a:xfrm>
-            <a:off x="7289943" y="3662049"/>
-            <a:ext cx="3898408" cy="1754990"/>
-          </a:xfrm>
-          <a:prstGeom prst="rect">
-            <a:avLst/>
-          </a:prstGeom>
-        </p:spPr>
-      </p:pic>
-      <p:pic>
-        <p:nvPicPr>
-          <p:cNvPr id="1026" name="Picture 2" descr="20210201_111804"/>
-          <p:cNvPicPr>
-            <a:picLocks noChangeAspect="1" noChangeArrowheads="1"/>
-          </p:cNvPicPr>
-          <p:nvPr/>
-        </p:nvPicPr>
-        <p:blipFill>
-          <a:blip r:embed="rId5">
-            <a:extLst>
-              <a:ext uri="{28A0092B-C50C-407E-A947-70E740481C1C}">
-                <a14:useLocalDpi xmlns:a14="http://schemas.microsoft.com/office/drawing/2010/main" val="0"/>
-              </a:ext>
-            </a:extLst>
-          </a:blip>
-          <a:srcRect/>
-          <a:stretch>
-            <a:fillRect/>
-          </a:stretch>
-        </p:blipFill>
-        <p:spPr bwMode="auto">
-          <a:xfrm>
-            <a:off x="7631197" y="5295900"/>
-            <a:ext cx="1706563" cy="1562100"/>
-          </a:xfrm>
-          <a:prstGeom prst="rect">
-            <a:avLst/>
-          </a:prstGeom>
-          <a:noFill/>
-          <a:ln>
-            <a:noFill/>
-          </a:ln>
-          <a:extLst>
-            <a:ext uri="{909E8E84-426E-40DD-AFC4-6F175D3DCCD1}">
-              <a14:hiddenFill xmlns:a14="http://schemas.microsoft.com/office/drawing/2010/main">
-                <a:solidFill>
-                  <a:srgbClr val="FFFFFF"/>
-                </a:solidFill>
-              </a14:hiddenFill>
-            </a:ext>
-            <a:ext uri="{91240B29-F687-4F45-9708-019B960494DF}">
-              <a14:hiddenLine xmlns:a14="http://schemas.microsoft.com/office/drawing/2010/main" w="9525">
-                <a:solidFill>
-                  <a:srgbClr val="000000"/>
-                </a:solidFill>
-                <a:miter lim="800000"/>
-                <a:headEnd/>
-                <a:tailEnd/>
-              </a14:hiddenLine>
-            </a:ext>
-          </a:extLst>
-        </p:spPr>
-      </p:pic>
     </p:spTree>
     <p:extLst>
       <p:ext uri="{BB962C8B-B14F-4D97-AF65-F5344CB8AC3E}">
-        <p14:creationId xmlns:p14="http://schemas.microsoft.com/office/powerpoint/2010/main" val="2987169147"/>
+        <p14:creationId xmlns:p14="http://schemas.microsoft.com/office/powerpoint/2010/main" val="92357920"/>
       </p:ext>
     </p:extLst>
   </p:cSld>
@@ -6170,7 +6142,7 @@
         </p:nvSpPr>
         <p:spPr>
           <a:xfrm>
-            <a:off x="684212" y="262465"/>
+            <a:off x="704747" y="0"/>
             <a:ext cx="8534400" cy="1507067"/>
           </a:xfrm>
         </p:spPr>
@@ -6180,160 +6152,151 @@
           <a:p>
             <a:r>
               <a:rPr lang="ru-RU" dirty="0" smtClean="0"/>
-              <a:t>Из чего состоит конструкция</a:t>
+              <a:t>Конструкция устройства</a:t>
             </a:r>
             <a:endParaRPr lang="ru-RU" dirty="0"/>
           </a:p>
         </p:txBody>
       </p:sp>
-      <p:sp>
-        <p:nvSpPr>
-          <p:cNvPr id="3" name="Объект 2"/>
-          <p:cNvSpPr>
-            <a:spLocks noGrp="1"/>
-          </p:cNvSpPr>
+      <p:pic>
+        <p:nvPicPr>
+          <p:cNvPr id="4" name="Объект 3"/>
+          <p:cNvPicPr>
+            <a:picLocks noGrp="1" noChangeAspect="1"/>
+          </p:cNvPicPr>
           <p:nvPr>
             <p:ph idx="1"/>
           </p:nvPr>
-        </p:nvSpPr>
+        </p:nvPicPr>
+        <p:blipFill>
+          <a:blip r:embed="rId2">
+            <a:extLst>
+              <a:ext uri="{28A0092B-C50C-407E-A947-70E740481C1C}">
+                <a14:useLocalDpi xmlns:a14="http://schemas.microsoft.com/office/drawing/2010/main" val="0"/>
+              </a:ext>
+            </a:extLst>
+          </a:blip>
+          <a:stretch>
+            <a:fillRect/>
+          </a:stretch>
+        </p:blipFill>
         <p:spPr>
           <a:xfrm>
-            <a:off x="684212" y="1769532"/>
-            <a:ext cx="8534400" cy="3615267"/>
+            <a:off x="580734" y="1380067"/>
+            <a:ext cx="6266614" cy="5188532"/>
           </a:xfrm>
         </p:spPr>
-        <p:txBody>
-          <a:bodyPr/>
-          <a:lstStyle/>
-          <a:p>
-            <a:r>
-              <a:rPr lang="ru-RU" dirty="0" smtClean="0">
-                <a:solidFill>
-                  <a:schemeClr val="tx1"/>
-                </a:solidFill>
-              </a:rPr>
-              <a:t>3 датчика цвета </a:t>
-            </a:r>
-            <a:r>
-              <a:rPr lang="ru-RU" dirty="0">
-                <a:solidFill>
-                  <a:schemeClr val="tx1"/>
-                </a:solidFill>
-              </a:rPr>
-              <a:t>TCS34725 (</a:t>
-            </a:r>
-            <a:r>
-              <a:rPr lang="ru-RU" dirty="0" err="1">
-                <a:solidFill>
-                  <a:schemeClr val="tx1"/>
-                </a:solidFill>
-              </a:rPr>
-              <a:t>Troyka</a:t>
-            </a:r>
-            <a:r>
-              <a:rPr lang="ru-RU" dirty="0">
-                <a:solidFill>
-                  <a:schemeClr val="tx1"/>
-                </a:solidFill>
-              </a:rPr>
-              <a:t>-модуль</a:t>
-            </a:r>
-            <a:r>
-              <a:rPr lang="ru-RU" dirty="0" smtClean="0">
-                <a:solidFill>
-                  <a:schemeClr val="tx1"/>
-                </a:solidFill>
-              </a:rPr>
-              <a:t>)</a:t>
-            </a:r>
-          </a:p>
-          <a:p>
-            <a:r>
-              <a:rPr lang="ru-RU" dirty="0">
-                <a:solidFill>
-                  <a:schemeClr val="tx1"/>
-                </a:solidFill>
-              </a:rPr>
-              <a:t>сервопривод </a:t>
-            </a:r>
-            <a:r>
-              <a:rPr lang="ru-RU" dirty="0" err="1">
-                <a:solidFill>
-                  <a:schemeClr val="tx1"/>
-                </a:solidFill>
-              </a:rPr>
-              <a:t>Feetech</a:t>
-            </a:r>
-            <a:r>
-              <a:rPr lang="ru-RU" dirty="0">
-                <a:solidFill>
-                  <a:schemeClr val="tx1"/>
-                </a:solidFill>
-              </a:rPr>
-              <a:t> </a:t>
-            </a:r>
-            <a:r>
-              <a:rPr lang="ru-RU" dirty="0" smtClean="0">
-                <a:solidFill>
-                  <a:schemeClr val="tx1"/>
-                </a:solidFill>
-              </a:rPr>
-              <a:t>FS5103R</a:t>
-            </a:r>
-          </a:p>
-          <a:p>
-            <a:r>
-              <a:rPr lang="ru-RU" dirty="0">
-                <a:solidFill>
-                  <a:schemeClr val="tx1"/>
-                </a:solidFill>
-              </a:rPr>
-              <a:t>три </a:t>
-            </a:r>
-            <a:r>
-              <a:rPr lang="ru-RU" dirty="0" err="1">
-                <a:solidFill>
-                  <a:schemeClr val="tx1"/>
-                </a:solidFill>
-              </a:rPr>
-              <a:t>микросервопривода</a:t>
-            </a:r>
-            <a:r>
-              <a:rPr lang="ru-RU" dirty="0">
-                <a:solidFill>
-                  <a:schemeClr val="tx1"/>
-                </a:solidFill>
-              </a:rPr>
-              <a:t> </a:t>
-            </a:r>
-            <a:r>
-              <a:rPr lang="ru-RU" dirty="0" err="1">
-                <a:solidFill>
-                  <a:schemeClr val="tx1"/>
-                </a:solidFill>
-              </a:rPr>
-              <a:t>Feetech</a:t>
-            </a:r>
-            <a:r>
-              <a:rPr lang="ru-RU" dirty="0">
-                <a:solidFill>
-                  <a:schemeClr val="tx1"/>
-                </a:solidFill>
-              </a:rPr>
-              <a:t> FS90</a:t>
-            </a:r>
-            <a:endParaRPr lang="ru-RU" dirty="0">
-              <a:solidFill>
-                <a:schemeClr val="tx1"/>
-              </a:solidFill>
-            </a:endParaRPr>
-          </a:p>
-        </p:txBody>
-      </p:sp>
+      </p:pic>
+      <p:pic>
+        <p:nvPicPr>
+          <p:cNvPr id="5" name="Рисунок 4"/>
+          <p:cNvPicPr>
+            <a:picLocks noChangeAspect="1"/>
+          </p:cNvPicPr>
+          <p:nvPr/>
+        </p:nvPicPr>
+        <p:blipFill>
+          <a:blip r:embed="rId3">
+            <a:extLst>
+              <a:ext uri="{28A0092B-C50C-407E-A947-70E740481C1C}">
+                <a14:useLocalDpi xmlns:a14="http://schemas.microsoft.com/office/drawing/2010/main" val="0"/>
+              </a:ext>
+            </a:extLst>
+          </a:blip>
+          <a:stretch>
+            <a:fillRect/>
+          </a:stretch>
+        </p:blipFill>
+        <p:spPr>
+          <a:xfrm>
+            <a:off x="7461772" y="166682"/>
+            <a:ext cx="3751976" cy="3328685"/>
+          </a:xfrm>
+          <a:prstGeom prst="rect">
+            <a:avLst/>
+          </a:prstGeom>
+        </p:spPr>
+      </p:pic>
+      <p:pic>
+        <p:nvPicPr>
+          <p:cNvPr id="6" name="Рисунок 5"/>
+          <p:cNvPicPr/>
+          <p:nvPr/>
+        </p:nvPicPr>
+        <p:blipFill>
+          <a:blip r:embed="rId4"/>
+          <a:stretch>
+            <a:fillRect/>
+          </a:stretch>
+        </p:blipFill>
+        <p:spPr>
+          <a:xfrm>
+            <a:off x="7289943" y="3662049"/>
+            <a:ext cx="3898408" cy="1754990"/>
+          </a:xfrm>
+          <a:prstGeom prst="rect">
+            <a:avLst/>
+          </a:prstGeom>
+        </p:spPr>
+      </p:pic>
+      <p:pic>
+        <p:nvPicPr>
+          <p:cNvPr id="1026" name="Picture 2" descr="20210201_111804"/>
+          <p:cNvPicPr>
+            <a:picLocks noChangeAspect="1" noChangeArrowheads="1"/>
+          </p:cNvPicPr>
+          <p:nvPr/>
+        </p:nvPicPr>
+        <p:blipFill>
+          <a:blip r:embed="rId5">
+            <a:extLst>
+              <a:ext uri="{28A0092B-C50C-407E-A947-70E740481C1C}">
+                <a14:useLocalDpi xmlns:a14="http://schemas.microsoft.com/office/drawing/2010/main" val="0"/>
+              </a:ext>
+            </a:extLst>
+          </a:blip>
+          <a:srcRect/>
+          <a:stretch>
+            <a:fillRect/>
+          </a:stretch>
+        </p:blipFill>
+        <p:spPr bwMode="auto">
+          <a:xfrm>
+            <a:off x="7631197" y="5295900"/>
+            <a:ext cx="1706563" cy="1562100"/>
+          </a:xfrm>
+          <a:prstGeom prst="rect">
+            <a:avLst/>
+          </a:prstGeom>
+          <a:noFill/>
+          <a:ln>
+            <a:noFill/>
+          </a:ln>
+          <a:extLst>
+            <a:ext uri="{909E8E84-426E-40DD-AFC4-6F175D3DCCD1}">
+              <a14:hiddenFill xmlns:a14="http://schemas.microsoft.com/office/drawing/2010/main">
+                <a:solidFill>
+                  <a:srgbClr val="FFFFFF"/>
+                </a:solidFill>
+              </a14:hiddenFill>
+            </a:ext>
+            <a:ext uri="{91240B29-F687-4F45-9708-019B960494DF}">
+              <a14:hiddenLine xmlns:a14="http://schemas.microsoft.com/office/drawing/2010/main" w="9525">
+                <a:solidFill>
+                  <a:srgbClr val="000000"/>
+                </a:solidFill>
+                <a:miter lim="800000"/>
+                <a:headEnd/>
+                <a:tailEnd/>
+              </a14:hiddenLine>
+            </a:ext>
+          </a:extLst>
+        </p:spPr>
+      </p:pic>
     </p:spTree>
     <p:extLst>
       <p:ext uri="{BB962C8B-B14F-4D97-AF65-F5344CB8AC3E}">
-        <p14:creationId xmlns:p14="http://schemas.microsoft.com/office/powerpoint/2010/main" val="3282602689"/>
+        <p14:creationId xmlns:p14="http://schemas.microsoft.com/office/powerpoint/2010/main" val="2987169147"/>
       </p:ext>
     </p:extLst>
   </p:cSld>
@@ -6379,6 +6342,307 @@
         </p:nvSpPr>
         <p:spPr>
           <a:xfrm>
+            <a:off x="684212" y="262465"/>
+            <a:ext cx="8534400" cy="1507067"/>
+          </a:xfrm>
+        </p:spPr>
+        <p:txBody>
+          <a:bodyPr/>
+          <a:lstStyle/>
+          <a:p>
+            <a:r>
+              <a:rPr lang="ru-RU" dirty="0" smtClean="0"/>
+              <a:t>Из чего состоит конструкция</a:t>
+            </a:r>
+            <a:endParaRPr lang="ru-RU" dirty="0"/>
+          </a:p>
+        </p:txBody>
+      </p:sp>
+      <p:sp>
+        <p:nvSpPr>
+          <p:cNvPr id="3" name="Объект 2"/>
+          <p:cNvSpPr>
+            <a:spLocks noGrp="1"/>
+          </p:cNvSpPr>
+          <p:nvPr>
+            <p:ph idx="1"/>
+          </p:nvPr>
+        </p:nvSpPr>
+        <p:spPr>
+          <a:xfrm>
+            <a:off x="684212" y="1769532"/>
+            <a:ext cx="8534400" cy="3615267"/>
+          </a:xfrm>
+        </p:spPr>
+        <p:txBody>
+          <a:bodyPr/>
+          <a:lstStyle/>
+          <a:p>
+            <a:r>
+              <a:rPr lang="ru-RU" dirty="0">
+                <a:solidFill>
+                  <a:schemeClr val="tx1"/>
+                </a:solidFill>
+              </a:rPr>
+              <a:t>Управление устройством осуществляет микроконтроллер на базе </a:t>
+            </a:r>
+            <a:r>
+              <a:rPr lang="ru-RU" dirty="0" err="1">
+                <a:solidFill>
+                  <a:schemeClr val="tx1"/>
+                </a:solidFill>
+              </a:rPr>
+              <a:t>Arduino</a:t>
+            </a:r>
+            <a:r>
+              <a:rPr lang="ru-RU" dirty="0">
+                <a:solidFill>
+                  <a:schemeClr val="tx1"/>
+                </a:solidFill>
+              </a:rPr>
+              <a:t> </a:t>
+            </a:r>
+            <a:r>
+              <a:rPr lang="ru-RU" dirty="0" err="1" smtClean="0">
+                <a:solidFill>
+                  <a:schemeClr val="tx1"/>
+                </a:solidFill>
+              </a:rPr>
+              <a:t>Uno</a:t>
+            </a:r>
+            <a:r>
+              <a:rPr lang="en-US" dirty="0" smtClean="0">
+                <a:solidFill>
+                  <a:schemeClr val="tx1"/>
+                </a:solidFill>
+              </a:rPr>
+              <a:t>.</a:t>
+            </a:r>
+          </a:p>
+          <a:p>
+            <a:r>
+              <a:rPr lang="ru-RU" dirty="0" smtClean="0">
+                <a:solidFill>
+                  <a:schemeClr val="tx1"/>
+                </a:solidFill>
+              </a:rPr>
+              <a:t>Используется </a:t>
+            </a:r>
+            <a:r>
+              <a:rPr lang="ru-RU" dirty="0">
+                <a:solidFill>
+                  <a:schemeClr val="tx1"/>
+                </a:solidFill>
+              </a:rPr>
+              <a:t>плата </a:t>
+            </a:r>
+            <a:r>
+              <a:rPr lang="ru-RU" dirty="0" smtClean="0">
+                <a:solidFill>
+                  <a:schemeClr val="tx1"/>
+                </a:solidFill>
+              </a:rPr>
+              <a:t>расширения </a:t>
+            </a:r>
+            <a:r>
+              <a:rPr lang="en-US" dirty="0" err="1" smtClean="0">
+                <a:solidFill>
+                  <a:schemeClr val="tx1"/>
+                </a:solidFill>
+              </a:rPr>
+              <a:t>Troyka</a:t>
+            </a:r>
+            <a:r>
+              <a:rPr lang="en-US" dirty="0" smtClean="0">
+                <a:solidFill>
+                  <a:schemeClr val="tx1"/>
+                </a:solidFill>
+              </a:rPr>
+              <a:t> Shield </a:t>
+            </a:r>
+            <a:r>
+              <a:rPr lang="ru-RU" dirty="0" smtClean="0">
+                <a:solidFill>
+                  <a:schemeClr val="tx1"/>
+                </a:solidFill>
+              </a:rPr>
+              <a:t>для удобного подключения периферии.</a:t>
+            </a:r>
+          </a:p>
+          <a:p>
+            <a:r>
+              <a:rPr lang="ru-RU" dirty="0" smtClean="0">
+                <a:solidFill>
+                  <a:schemeClr val="tx1"/>
+                </a:solidFill>
+              </a:rPr>
+              <a:t>3 датчика цвета </a:t>
+            </a:r>
+            <a:r>
+              <a:rPr lang="ru-RU" dirty="0">
+                <a:solidFill>
+                  <a:schemeClr val="tx1"/>
+                </a:solidFill>
+              </a:rPr>
+              <a:t>TCS34725 (</a:t>
+            </a:r>
+            <a:r>
+              <a:rPr lang="ru-RU" dirty="0" err="1">
+                <a:solidFill>
+                  <a:schemeClr val="tx1"/>
+                </a:solidFill>
+              </a:rPr>
+              <a:t>Troyka</a:t>
+            </a:r>
+            <a:r>
+              <a:rPr lang="ru-RU" dirty="0">
+                <a:solidFill>
+                  <a:schemeClr val="tx1"/>
+                </a:solidFill>
+              </a:rPr>
+              <a:t>-модуль</a:t>
+            </a:r>
+            <a:r>
+              <a:rPr lang="ru-RU" dirty="0" smtClean="0">
+                <a:solidFill>
+                  <a:schemeClr val="tx1"/>
+                </a:solidFill>
+              </a:rPr>
+              <a:t>)</a:t>
+            </a:r>
+          </a:p>
+          <a:p>
+            <a:r>
+              <a:rPr lang="ru-RU" dirty="0">
+                <a:solidFill>
+                  <a:schemeClr val="tx1"/>
+                </a:solidFill>
+              </a:rPr>
+              <a:t>сервопривод </a:t>
+            </a:r>
+            <a:r>
+              <a:rPr lang="ru-RU" dirty="0" err="1">
+                <a:solidFill>
+                  <a:schemeClr val="tx1"/>
+                </a:solidFill>
+              </a:rPr>
+              <a:t>Feetech</a:t>
+            </a:r>
+            <a:r>
+              <a:rPr lang="ru-RU" dirty="0">
+                <a:solidFill>
+                  <a:schemeClr val="tx1"/>
+                </a:solidFill>
+              </a:rPr>
+              <a:t> </a:t>
+            </a:r>
+            <a:r>
+              <a:rPr lang="ru-RU" dirty="0" smtClean="0">
+                <a:solidFill>
+                  <a:schemeClr val="tx1"/>
+                </a:solidFill>
+              </a:rPr>
+              <a:t>FS5103R</a:t>
+            </a:r>
+          </a:p>
+          <a:p>
+            <a:r>
+              <a:rPr lang="ru-RU" dirty="0">
+                <a:solidFill>
+                  <a:schemeClr val="tx1"/>
+                </a:solidFill>
+              </a:rPr>
+              <a:t>три </a:t>
+            </a:r>
+            <a:r>
+              <a:rPr lang="ru-RU" dirty="0" err="1">
+                <a:solidFill>
+                  <a:schemeClr val="tx1"/>
+                </a:solidFill>
+              </a:rPr>
+              <a:t>микросервопривода</a:t>
+            </a:r>
+            <a:r>
+              <a:rPr lang="ru-RU" dirty="0">
+                <a:solidFill>
+                  <a:schemeClr val="tx1"/>
+                </a:solidFill>
+              </a:rPr>
+              <a:t> </a:t>
+            </a:r>
+            <a:r>
+              <a:rPr lang="ru-RU" dirty="0" err="1">
+                <a:solidFill>
+                  <a:schemeClr val="tx1"/>
+                </a:solidFill>
+              </a:rPr>
+              <a:t>Feetech</a:t>
+            </a:r>
+            <a:r>
+              <a:rPr lang="ru-RU" dirty="0">
+                <a:solidFill>
+                  <a:schemeClr val="tx1"/>
+                </a:solidFill>
+              </a:rPr>
+              <a:t> FS90</a:t>
+            </a:r>
+            <a:endParaRPr lang="ru-RU" dirty="0">
+              <a:solidFill>
+                <a:schemeClr val="tx1"/>
+              </a:solidFill>
+            </a:endParaRPr>
+          </a:p>
+        </p:txBody>
+      </p:sp>
+    </p:spTree>
+    <p:extLst>
+      <p:ext uri="{BB962C8B-B14F-4D97-AF65-F5344CB8AC3E}">
+        <p14:creationId xmlns:p14="http://schemas.microsoft.com/office/powerpoint/2010/main" val="3282602689"/>
+      </p:ext>
+    </p:extLst>
+  </p:cSld>
+  <p:clrMapOvr>
+    <a:masterClrMapping/>
+  </p:clrMapOvr>
+  <p:timing>
+    <p:tnLst>
+      <p:par>
+        <p:cTn id="1" dur="indefinite" restart="never" nodeType="tmRoot"/>
+      </p:par>
+    </p:tnLst>
+  </p:timing>
+</p:sld>
+</file>
+
+<file path=ppt/slides/slide8.xml><?xml version="1.0" encoding="utf-8"?>
+<p:sld xmlns:a="http://schemas.openxmlformats.org/drawingml/2006/main" xmlns:r="http://schemas.openxmlformats.org/officeDocument/2006/relationships" xmlns:p="http://schemas.openxmlformats.org/presentationml/2006/main">
+  <p:cSld>
+    <p:spTree>
+      <p:nvGrpSpPr>
+        <p:cNvPr id="1" name=""/>
+        <p:cNvGrpSpPr/>
+        <p:nvPr/>
+      </p:nvGrpSpPr>
+      <p:grpSpPr>
+        <a:xfrm>
+          <a:off x="0" y="0"/>
+          <a:ext cx="0" cy="0"/>
+          <a:chOff x="0" y="0"/>
+          <a:chExt cx="0" cy="0"/>
+        </a:xfrm>
+      </p:grpSpPr>
+      <p:sp>
+        <p:nvSpPr>
+          <p:cNvPr id="2" name="Заголовок 1"/>
+          <p:cNvSpPr>
+            <a:spLocks noGrp="1"/>
+          </p:cNvSpPr>
+          <p:nvPr>
+            <p:ph type="title"/>
+          </p:nvPr>
+        </p:nvSpPr>
+        <p:spPr>
+          <a:xfrm>
             <a:off x="684212" y="67732"/>
             <a:ext cx="8534400" cy="1507067"/>
           </a:xfrm>
@@ -6429,6 +6693,95 @@
     <p:extLst>
       <p:ext uri="{BB962C8B-B14F-4D97-AF65-F5344CB8AC3E}">
         <p14:creationId xmlns:p14="http://schemas.microsoft.com/office/powerpoint/2010/main" val="15493522"/>
+      </p:ext>
+    </p:extLst>
+  </p:cSld>
+  <p:clrMapOvr>
+    <a:masterClrMapping/>
+  </p:clrMapOvr>
+  <p:timing>
+    <p:tnLst>
+      <p:par>
+        <p:cTn id="1" dur="indefinite" restart="never" nodeType="tmRoot"/>
+      </p:par>
+    </p:tnLst>
+  </p:timing>
+</p:sld>
+</file>
+
+<file path=ppt/slides/slide9.xml><?xml version="1.0" encoding="utf-8"?>
+<p:sld xmlns:a="http://schemas.openxmlformats.org/drawingml/2006/main" xmlns:r="http://schemas.openxmlformats.org/officeDocument/2006/relationships" xmlns:p="http://schemas.openxmlformats.org/presentationml/2006/main">
+  <p:cSld>
+    <p:spTree>
+      <p:nvGrpSpPr>
+        <p:cNvPr id="1" name=""/>
+        <p:cNvGrpSpPr/>
+        <p:nvPr/>
+      </p:nvGrpSpPr>
+      <p:grpSpPr>
+        <a:xfrm>
+          <a:off x="0" y="0"/>
+          <a:ext cx="0" cy="0"/>
+          <a:chOff x="0" y="0"/>
+          <a:chExt cx="0" cy="0"/>
+        </a:xfrm>
+      </p:grpSpPr>
+      <p:sp>
+        <p:nvSpPr>
+          <p:cNvPr id="2" name="Заголовок 1"/>
+          <p:cNvSpPr>
+            <a:spLocks noGrp="1"/>
+          </p:cNvSpPr>
+          <p:nvPr>
+            <p:ph type="title"/>
+          </p:nvPr>
+        </p:nvSpPr>
+        <p:spPr>
+          <a:xfrm>
+            <a:off x="712642" y="284786"/>
+            <a:ext cx="8534400" cy="1507067"/>
+          </a:xfrm>
+        </p:spPr>
+        <p:txBody>
+          <a:bodyPr/>
+          <a:lstStyle/>
+          <a:p>
+            <a:r>
+              <a:rPr lang="ru-RU" dirty="0" smtClean="0"/>
+              <a:t>Демонстрация работы</a:t>
+            </a:r>
+            <a:endParaRPr lang="ru-RU" dirty="0"/>
+          </a:p>
+        </p:txBody>
+      </p:sp>
+      <p:sp>
+        <p:nvSpPr>
+          <p:cNvPr id="3" name="Объект 2"/>
+          <p:cNvSpPr>
+            <a:spLocks noGrp="1"/>
+          </p:cNvSpPr>
+          <p:nvPr>
+            <p:ph idx="1"/>
+          </p:nvPr>
+        </p:nvSpPr>
+        <p:spPr>
+          <a:xfrm>
+            <a:off x="712642" y="2570019"/>
+            <a:ext cx="8534400" cy="3615267"/>
+          </a:xfrm>
+        </p:spPr>
+        <p:txBody>
+          <a:bodyPr/>
+          <a:lstStyle/>
+          <a:p>
+            <a:endParaRPr lang="ru-RU"/>
+          </a:p>
+        </p:txBody>
+      </p:sp>
+    </p:spTree>
+    <p:extLst>
+      <p:ext uri="{BB962C8B-B14F-4D97-AF65-F5344CB8AC3E}">
+        <p14:creationId xmlns:p14="http://schemas.microsoft.com/office/powerpoint/2010/main" val="594015503"/>
       </p:ext>
     </p:extLst>
   </p:cSld>

--- a/Tictactoe_presentation.pptx
+++ b/Tictactoe_presentation.pptx
@@ -112,6 +112,11 @@
       </a:defRPr>
     </a:lvl9pPr>
   </p:defaultTextStyle>
+  <p:extLst>
+    <p:ext uri="{EFAFB233-063F-42B5-8137-9DF3F51BA10A}">
+      <p15:sldGuideLst xmlns:p15="http://schemas.microsoft.com/office/powerpoint/2012/main"/>
+    </p:ext>
+  </p:extLst>
 </p:presentation>
 </file>
 
@@ -307,7 +312,7 @@
             <a:fld id="{B61BEF0D-F0BB-DE4B-95CE-6DB70DBA9567}" type="datetimeFigureOut">
               <a:rPr lang="en-US" dirty="0"/>
               <a:pPr/>
-              <a:t>2/1/2021</a:t>
+              <a:t>2/2/2021</a:t>
             </a:fld>
             <a:endParaRPr lang="en-US" dirty="0"/>
           </a:p>
@@ -740,7 +745,7 @@
             <a:fld id="{B61BEF0D-F0BB-DE4B-95CE-6DB70DBA9567}" type="datetimeFigureOut">
               <a:rPr lang="en-US" dirty="0"/>
               <a:pPr/>
-              <a:t>2/1/2021</a:t>
+              <a:t>2/2/2021</a:t>
             </a:fld>
             <a:endParaRPr lang="en-US" dirty="0"/>
           </a:p>
@@ -987,7 +992,7 @@
             <a:fld id="{B61BEF0D-F0BB-DE4B-95CE-6DB70DBA9567}" type="datetimeFigureOut">
               <a:rPr lang="en-US" dirty="0"/>
               <a:pPr/>
-              <a:t>2/1/2021</a:t>
+              <a:t>2/2/2021</a:t>
             </a:fld>
             <a:endParaRPr lang="en-US" dirty="0"/>
           </a:p>
@@ -1292,7 +1297,7 @@
             <a:fld id="{B61BEF0D-F0BB-DE4B-95CE-6DB70DBA9567}" type="datetimeFigureOut">
               <a:rPr lang="en-US" dirty="0"/>
               <a:pPr/>
-              <a:t>2/1/2021</a:t>
+              <a:t>2/2/2021</a:t>
             </a:fld>
             <a:endParaRPr lang="en-US" dirty="0"/>
           </a:p>
@@ -1607,7 +1612,7 @@
             <a:fld id="{B61BEF0D-F0BB-DE4B-95CE-6DB70DBA9567}" type="datetimeFigureOut">
               <a:rPr lang="en-US" dirty="0"/>
               <a:pPr/>
-              <a:t>2/1/2021</a:t>
+              <a:t>2/2/2021</a:t>
             </a:fld>
             <a:endParaRPr lang="en-US" dirty="0"/>
           </a:p>
@@ -1906,7 +1911,7 @@
             <a:fld id="{B61BEF0D-F0BB-DE4B-95CE-6DB70DBA9567}" type="datetimeFigureOut">
               <a:rPr lang="en-US" dirty="0"/>
               <a:pPr/>
-              <a:t>2/1/2021</a:t>
+              <a:t>2/2/2021</a:t>
             </a:fld>
             <a:endParaRPr lang="en-US" dirty="0"/>
           </a:p>
@@ -2270,7 +2275,7 @@
             <a:fld id="{B61BEF0D-F0BB-DE4B-95CE-6DB70DBA9567}" type="datetimeFigureOut">
               <a:rPr lang="en-US" dirty="0"/>
               <a:pPr/>
-              <a:t>2/1/2021</a:t>
+              <a:t>2/2/2021</a:t>
             </a:fld>
             <a:endParaRPr lang="en-US" dirty="0"/>
           </a:p>
@@ -2441,7 +2446,7 @@
             <a:fld id="{B61BEF0D-F0BB-DE4B-95CE-6DB70DBA9567}" type="datetimeFigureOut">
               <a:rPr lang="en-US" dirty="0"/>
               <a:pPr/>
-              <a:t>2/1/2021</a:t>
+              <a:t>2/2/2021</a:t>
             </a:fld>
             <a:endParaRPr lang="en-US" dirty="0"/>
           </a:p>
@@ -2618,7 +2623,7 @@
             <a:fld id="{B61BEF0D-F0BB-DE4B-95CE-6DB70DBA9567}" type="datetimeFigureOut">
               <a:rPr lang="en-US" dirty="0"/>
               <a:pPr/>
-              <a:t>2/1/2021</a:t>
+              <a:t>2/2/2021</a:t>
             </a:fld>
             <a:endParaRPr lang="en-US" dirty="0"/>
           </a:p>
@@ -2785,7 +2790,7 @@
             <a:fld id="{B61BEF0D-F0BB-DE4B-95CE-6DB70DBA9567}" type="datetimeFigureOut">
               <a:rPr lang="en-US" dirty="0"/>
               <a:pPr/>
-              <a:t>2/1/2021</a:t>
+              <a:t>2/2/2021</a:t>
             </a:fld>
             <a:endParaRPr lang="en-US" dirty="0"/>
           </a:p>
@@ -3032,7 +3037,7 @@
             <a:fld id="{B61BEF0D-F0BB-DE4B-95CE-6DB70DBA9567}" type="datetimeFigureOut">
               <a:rPr lang="en-US" dirty="0"/>
               <a:pPr/>
-              <a:t>2/1/2021</a:t>
+              <a:t>2/2/2021</a:t>
             </a:fld>
             <a:endParaRPr lang="en-US" dirty="0"/>
           </a:p>
@@ -3265,7 +3270,7 @@
             <a:fld id="{B61BEF0D-F0BB-DE4B-95CE-6DB70DBA9567}" type="datetimeFigureOut">
               <a:rPr lang="en-US" dirty="0"/>
               <a:pPr/>
-              <a:t>2/1/2021</a:t>
+              <a:t>2/2/2021</a:t>
             </a:fld>
             <a:endParaRPr lang="en-US" dirty="0"/>
           </a:p>
@@ -3644,7 +3649,7 @@
             <a:fld id="{B61BEF0D-F0BB-DE4B-95CE-6DB70DBA9567}" type="datetimeFigureOut">
               <a:rPr lang="en-US" dirty="0"/>
               <a:pPr/>
-              <a:t>2/1/2021</a:t>
+              <a:t>2/2/2021</a:t>
             </a:fld>
             <a:endParaRPr lang="en-US" dirty="0"/>
           </a:p>
@@ -3759,7 +3764,7 @@
             <a:fld id="{B61BEF0D-F0BB-DE4B-95CE-6DB70DBA9567}" type="datetimeFigureOut">
               <a:rPr lang="en-US" dirty="0"/>
               <a:pPr/>
-              <a:t>2/1/2021</a:t>
+              <a:t>2/2/2021</a:t>
             </a:fld>
             <a:endParaRPr lang="en-US" dirty="0"/>
           </a:p>
@@ -3851,7 +3856,7 @@
             <a:fld id="{B61BEF0D-F0BB-DE4B-95CE-6DB70DBA9567}" type="datetimeFigureOut">
               <a:rPr lang="en-US" dirty="0"/>
               <a:pPr/>
-              <a:t>2/1/2021</a:t>
+              <a:t>2/2/2021</a:t>
             </a:fld>
             <a:endParaRPr lang="en-US" dirty="0"/>
           </a:p>
@@ -4103,7 +4108,7 @@
             <a:fld id="{B61BEF0D-F0BB-DE4B-95CE-6DB70DBA9567}" type="datetimeFigureOut">
               <a:rPr lang="en-US" dirty="0"/>
               <a:pPr/>
-              <a:t>2/1/2021</a:t>
+              <a:t>2/2/2021</a:t>
             </a:fld>
             <a:endParaRPr lang="en-US" dirty="0"/>
           </a:p>
@@ -4383,7 +4388,7 @@
             <a:fld id="{B61BEF0D-F0BB-DE4B-95CE-6DB70DBA9567}" type="datetimeFigureOut">
               <a:rPr lang="en-US" dirty="0"/>
               <a:pPr/>
-              <a:t>2/1/2021</a:t>
+              <a:t>2/2/2021</a:t>
             </a:fld>
             <a:endParaRPr lang="en-US" dirty="0"/>
           </a:p>
@@ -4786,7 +4791,7 @@
             <a:fld id="{B61BEF0D-F0BB-DE4B-95CE-6DB70DBA9567}" type="datetimeFigureOut">
               <a:rPr lang="en-US" dirty="0"/>
               <a:pPr/>
-              <a:t>2/1/2021</a:t>
+              <a:t>2/2/2021</a:t>
             </a:fld>
             <a:endParaRPr lang="en-US" dirty="0"/>
           </a:p>
@@ -6586,11 +6591,6 @@
               </a:rPr>
               <a:t> FS90</a:t>
             </a:r>
-            <a:endParaRPr lang="ru-RU" dirty="0">
-              <a:solidFill>
-                <a:schemeClr val="tx1"/>
-              </a:solidFill>
-            </a:endParaRPr>
           </a:p>
         </p:txBody>
       </p:sp>
@@ -6756,7 +6756,7 @@
       </p:sp>
       <p:sp>
         <p:nvSpPr>
-          <p:cNvPr id="3" name="Объект 2"/>
+          <p:cNvPr id="5" name="Объект 4"/>
           <p:cNvSpPr>
             <a:spLocks noGrp="1"/>
           </p:cNvSpPr>
@@ -6764,12 +6764,7 @@
             <p:ph idx="1"/>
           </p:nvPr>
         </p:nvSpPr>
-        <p:spPr>
-          <a:xfrm>
-            <a:off x="712642" y="2570019"/>
-            <a:ext cx="8534400" cy="3615267"/>
-          </a:xfrm>
-        </p:spPr>
+        <p:spPr/>
         <p:txBody>
           <a:bodyPr/>
           <a:lstStyle/>

--- a/Tictactoe_presentation.pptx
+++ b/Tictactoe_presentation.pptx
@@ -14,6 +14,8 @@
     <p:sldId id="261" r:id="rId8"/>
     <p:sldId id="262" r:id="rId9"/>
     <p:sldId id="264" r:id="rId10"/>
+    <p:sldId id="265" r:id="rId11"/>
+    <p:sldId id="266" r:id="rId12"/>
   </p:sldIdLst>
   <p:sldSz cx="12192000" cy="6858000"/>
   <p:notesSz cx="6858000" cy="9144000"/>
@@ -5550,6 +5552,194 @@
 </p:sld>
 </file>
 
+<file path=ppt/slides/slide10.xml><?xml version="1.0" encoding="utf-8"?>
+<p:sld xmlns:a="http://schemas.openxmlformats.org/drawingml/2006/main" xmlns:r="http://schemas.openxmlformats.org/officeDocument/2006/relationships" xmlns:p="http://schemas.openxmlformats.org/presentationml/2006/main">
+  <p:cSld>
+    <p:spTree>
+      <p:nvGrpSpPr>
+        <p:cNvPr id="1" name=""/>
+        <p:cNvGrpSpPr/>
+        <p:nvPr/>
+      </p:nvGrpSpPr>
+      <p:grpSpPr>
+        <a:xfrm>
+          <a:off x="0" y="0"/>
+          <a:ext cx="0" cy="0"/>
+          <a:chOff x="0" y="0"/>
+          <a:chExt cx="0" cy="0"/>
+        </a:xfrm>
+      </p:grpSpPr>
+      <p:sp>
+        <p:nvSpPr>
+          <p:cNvPr id="2" name="Заголовок 1"/>
+          <p:cNvSpPr>
+            <a:spLocks noGrp="1"/>
+          </p:cNvSpPr>
+          <p:nvPr>
+            <p:ph type="title"/>
+          </p:nvPr>
+        </p:nvSpPr>
+        <p:spPr>
+          <a:xfrm>
+            <a:off x="684212" y="124653"/>
+            <a:ext cx="8534400" cy="1507067"/>
+          </a:xfrm>
+        </p:spPr>
+        <p:txBody>
+          <a:bodyPr/>
+          <a:lstStyle/>
+          <a:p>
+            <a:r>
+              <a:rPr lang="ru-RU" dirty="0" smtClean="0"/>
+              <a:t>выводы</a:t>
+            </a:r>
+            <a:endParaRPr lang="ru-RU" dirty="0"/>
+          </a:p>
+        </p:txBody>
+      </p:sp>
+      <p:sp>
+        <p:nvSpPr>
+          <p:cNvPr id="3" name="Объект 2"/>
+          <p:cNvSpPr>
+            <a:spLocks noGrp="1"/>
+          </p:cNvSpPr>
+          <p:nvPr>
+            <p:ph idx="1"/>
+          </p:nvPr>
+        </p:nvSpPr>
+        <p:spPr>
+          <a:xfrm>
+            <a:off x="684212" y="2360364"/>
+            <a:ext cx="8534400" cy="3615267"/>
+          </a:xfrm>
+        </p:spPr>
+        <p:txBody>
+          <a:bodyPr/>
+          <a:lstStyle/>
+          <a:p>
+            <a:endParaRPr lang="ru-RU" dirty="0"/>
+          </a:p>
+        </p:txBody>
+      </p:sp>
+    </p:spTree>
+    <p:extLst>
+      <p:ext uri="{BB962C8B-B14F-4D97-AF65-F5344CB8AC3E}">
+        <p14:creationId xmlns:p14="http://schemas.microsoft.com/office/powerpoint/2010/main" val="262801475"/>
+      </p:ext>
+    </p:extLst>
+  </p:cSld>
+  <p:clrMapOvr>
+    <a:masterClrMapping/>
+  </p:clrMapOvr>
+</p:sld>
+</file>
+
+<file path=ppt/slides/slide11.xml><?xml version="1.0" encoding="utf-8"?>
+<p:sld xmlns:a="http://schemas.openxmlformats.org/drawingml/2006/main" xmlns:r="http://schemas.openxmlformats.org/officeDocument/2006/relationships" xmlns:p="http://schemas.openxmlformats.org/presentationml/2006/main">
+  <p:cSld>
+    <p:spTree>
+      <p:nvGrpSpPr>
+        <p:cNvPr id="1" name=""/>
+        <p:cNvGrpSpPr/>
+        <p:nvPr/>
+      </p:nvGrpSpPr>
+      <p:grpSpPr>
+        <a:xfrm>
+          <a:off x="0" y="0"/>
+          <a:ext cx="0" cy="0"/>
+          <a:chOff x="0" y="0"/>
+          <a:chExt cx="0" cy="0"/>
+        </a:xfrm>
+      </p:grpSpPr>
+      <p:sp>
+        <p:nvSpPr>
+          <p:cNvPr id="2" name="Заголовок 1"/>
+          <p:cNvSpPr>
+            <a:spLocks noGrp="1"/>
+          </p:cNvSpPr>
+          <p:nvPr>
+            <p:ph type="title"/>
+          </p:nvPr>
+        </p:nvSpPr>
+        <p:spPr>
+          <a:xfrm>
+            <a:off x="1226917" y="2661031"/>
+            <a:ext cx="8508024" cy="1562651"/>
+          </a:xfrm>
+        </p:spPr>
+        <p:txBody>
+          <a:bodyPr/>
+          <a:lstStyle/>
+          <a:p>
+            <a:r>
+              <a:rPr lang="ru-RU" dirty="0" smtClean="0"/>
+              <a:t>Спасибо за внимание!</a:t>
+            </a:r>
+            <a:endParaRPr lang="ru-RU" dirty="0"/>
+          </a:p>
+        </p:txBody>
+      </p:sp>
+      <p:pic>
+        <p:nvPicPr>
+          <p:cNvPr id="10" name="Рисунок 9"/>
+          <p:cNvPicPr>
+            <a:picLocks noChangeAspect="1"/>
+          </p:cNvPicPr>
+          <p:nvPr/>
+        </p:nvPicPr>
+        <p:blipFill>
+          <a:blip r:embed="rId2">
+            <a:extLst>
+              <a:ext uri="{BEBA8EAE-BF5A-486C-A8C5-ECC9F3942E4B}">
+                <a14:imgProps xmlns:a14="http://schemas.microsoft.com/office/drawing/2010/main">
+                  <a14:imgLayer r:embed="rId3">
+                    <a14:imgEffect>
+                      <a14:backgroundRemoval t="976" b="99024" l="0" r="100000">
+                        <a14:foregroundMark x1="30909" y1="11220" x2="30909" y2="11220"/>
+                        <a14:foregroundMark x1="83636" y1="15610" x2="83636" y2="15610"/>
+                        <a14:foregroundMark x1="57727" y1="49268" x2="57727" y2="49268"/>
+                        <a14:foregroundMark x1="40455" y1="54634" x2="45000" y2="57073"/>
+                        <a14:foregroundMark x1="19091" y1="46341" x2="24091" y2="52683"/>
+                        <a14:foregroundMark x1="10909" y1="51707" x2="12273" y2="58049"/>
+                        <a14:foregroundMark x1="11364" y1="81951" x2="15909" y2="86829"/>
+                        <a14:foregroundMark x1="52727" y1="75610" x2="57727" y2="80000"/>
+                      </a14:backgroundRemoval>
+                    </a14:imgEffect>
+                  </a14:imgLayer>
+                </a14:imgProps>
+              </a:ext>
+              <a:ext uri="{28A0092B-C50C-407E-A947-70E740481C1C}">
+                <a14:useLocalDpi xmlns:a14="http://schemas.microsoft.com/office/drawing/2010/main" val="0"/>
+              </a:ext>
+            </a:extLst>
+          </a:blip>
+          <a:stretch>
+            <a:fillRect/>
+          </a:stretch>
+        </p:blipFill>
+        <p:spPr>
+          <a:xfrm>
+            <a:off x="8080817" y="884317"/>
+            <a:ext cx="2095500" cy="1952625"/>
+          </a:xfrm>
+          <a:prstGeom prst="rect">
+            <a:avLst/>
+          </a:prstGeom>
+        </p:spPr>
+      </p:pic>
+    </p:spTree>
+    <p:extLst>
+      <p:ext uri="{BB962C8B-B14F-4D97-AF65-F5344CB8AC3E}">
+        <p14:creationId xmlns:p14="http://schemas.microsoft.com/office/powerpoint/2010/main" val="3123761399"/>
+      </p:ext>
+    </p:extLst>
+  </p:cSld>
+  <p:clrMapOvr>
+    <a:masterClrMapping/>
+  </p:clrMapOvr>
+</p:sld>
+</file>
+
 <file path=ppt/slides/slide2.xml><?xml version="1.0" encoding="utf-8"?>
 <p:sld xmlns:a="http://schemas.openxmlformats.org/drawingml/2006/main" xmlns:r="http://schemas.openxmlformats.org/officeDocument/2006/relationships" xmlns:p="http://schemas.openxmlformats.org/presentationml/2006/main">
   <p:cSld>

--- a/Tictactoe_presentation.pptx
+++ b/Tictactoe_presentation.pptx
@@ -314,7 +314,7 @@
             <a:fld id="{B61BEF0D-F0BB-DE4B-95CE-6DB70DBA9567}" type="datetimeFigureOut">
               <a:rPr lang="en-US" dirty="0"/>
               <a:pPr/>
-              <a:t>2/2/2021</a:t>
+              <a:t>2/10/2021</a:t>
             </a:fld>
             <a:endParaRPr lang="en-US" dirty="0"/>
           </a:p>
@@ -747,7 +747,7 @@
             <a:fld id="{B61BEF0D-F0BB-DE4B-95CE-6DB70DBA9567}" type="datetimeFigureOut">
               <a:rPr lang="en-US" dirty="0"/>
               <a:pPr/>
-              <a:t>2/2/2021</a:t>
+              <a:t>2/10/2021</a:t>
             </a:fld>
             <a:endParaRPr lang="en-US" dirty="0"/>
           </a:p>
@@ -994,7 +994,7 @@
             <a:fld id="{B61BEF0D-F0BB-DE4B-95CE-6DB70DBA9567}" type="datetimeFigureOut">
               <a:rPr lang="en-US" dirty="0"/>
               <a:pPr/>
-              <a:t>2/2/2021</a:t>
+              <a:t>2/10/2021</a:t>
             </a:fld>
             <a:endParaRPr lang="en-US" dirty="0"/>
           </a:p>
@@ -1299,7 +1299,7 @@
             <a:fld id="{B61BEF0D-F0BB-DE4B-95CE-6DB70DBA9567}" type="datetimeFigureOut">
               <a:rPr lang="en-US" dirty="0"/>
               <a:pPr/>
-              <a:t>2/2/2021</a:t>
+              <a:t>2/10/2021</a:t>
             </a:fld>
             <a:endParaRPr lang="en-US" dirty="0"/>
           </a:p>
@@ -1614,7 +1614,7 @@
             <a:fld id="{B61BEF0D-F0BB-DE4B-95CE-6DB70DBA9567}" type="datetimeFigureOut">
               <a:rPr lang="en-US" dirty="0"/>
               <a:pPr/>
-              <a:t>2/2/2021</a:t>
+              <a:t>2/10/2021</a:t>
             </a:fld>
             <a:endParaRPr lang="en-US" dirty="0"/>
           </a:p>
@@ -1913,7 +1913,7 @@
             <a:fld id="{B61BEF0D-F0BB-DE4B-95CE-6DB70DBA9567}" type="datetimeFigureOut">
               <a:rPr lang="en-US" dirty="0"/>
               <a:pPr/>
-              <a:t>2/2/2021</a:t>
+              <a:t>2/10/2021</a:t>
             </a:fld>
             <a:endParaRPr lang="en-US" dirty="0"/>
           </a:p>
@@ -2277,7 +2277,7 @@
             <a:fld id="{B61BEF0D-F0BB-DE4B-95CE-6DB70DBA9567}" type="datetimeFigureOut">
               <a:rPr lang="en-US" dirty="0"/>
               <a:pPr/>
-              <a:t>2/2/2021</a:t>
+              <a:t>2/10/2021</a:t>
             </a:fld>
             <a:endParaRPr lang="en-US" dirty="0"/>
           </a:p>
@@ -2448,7 +2448,7 @@
             <a:fld id="{B61BEF0D-F0BB-DE4B-95CE-6DB70DBA9567}" type="datetimeFigureOut">
               <a:rPr lang="en-US" dirty="0"/>
               <a:pPr/>
-              <a:t>2/2/2021</a:t>
+              <a:t>2/10/2021</a:t>
             </a:fld>
             <a:endParaRPr lang="en-US" dirty="0"/>
           </a:p>
@@ -2625,7 +2625,7 @@
             <a:fld id="{B61BEF0D-F0BB-DE4B-95CE-6DB70DBA9567}" type="datetimeFigureOut">
               <a:rPr lang="en-US" dirty="0"/>
               <a:pPr/>
-              <a:t>2/2/2021</a:t>
+              <a:t>2/10/2021</a:t>
             </a:fld>
             <a:endParaRPr lang="en-US" dirty="0"/>
           </a:p>
@@ -2792,7 +2792,7 @@
             <a:fld id="{B61BEF0D-F0BB-DE4B-95CE-6DB70DBA9567}" type="datetimeFigureOut">
               <a:rPr lang="en-US" dirty="0"/>
               <a:pPr/>
-              <a:t>2/2/2021</a:t>
+              <a:t>2/10/2021</a:t>
             </a:fld>
             <a:endParaRPr lang="en-US" dirty="0"/>
           </a:p>
@@ -3039,7 +3039,7 @@
             <a:fld id="{B61BEF0D-F0BB-DE4B-95CE-6DB70DBA9567}" type="datetimeFigureOut">
               <a:rPr lang="en-US" dirty="0"/>
               <a:pPr/>
-              <a:t>2/2/2021</a:t>
+              <a:t>2/10/2021</a:t>
             </a:fld>
             <a:endParaRPr lang="en-US" dirty="0"/>
           </a:p>
@@ -3272,7 +3272,7 @@
             <a:fld id="{B61BEF0D-F0BB-DE4B-95CE-6DB70DBA9567}" type="datetimeFigureOut">
               <a:rPr lang="en-US" dirty="0"/>
               <a:pPr/>
-              <a:t>2/2/2021</a:t>
+              <a:t>2/10/2021</a:t>
             </a:fld>
             <a:endParaRPr lang="en-US" dirty="0"/>
           </a:p>
@@ -3651,7 +3651,7 @@
             <a:fld id="{B61BEF0D-F0BB-DE4B-95CE-6DB70DBA9567}" type="datetimeFigureOut">
               <a:rPr lang="en-US" dirty="0"/>
               <a:pPr/>
-              <a:t>2/2/2021</a:t>
+              <a:t>2/10/2021</a:t>
             </a:fld>
             <a:endParaRPr lang="en-US" dirty="0"/>
           </a:p>
@@ -3766,7 +3766,7 @@
             <a:fld id="{B61BEF0D-F0BB-DE4B-95CE-6DB70DBA9567}" type="datetimeFigureOut">
               <a:rPr lang="en-US" dirty="0"/>
               <a:pPr/>
-              <a:t>2/2/2021</a:t>
+              <a:t>2/10/2021</a:t>
             </a:fld>
             <a:endParaRPr lang="en-US" dirty="0"/>
           </a:p>
@@ -3858,7 +3858,7 @@
             <a:fld id="{B61BEF0D-F0BB-DE4B-95CE-6DB70DBA9567}" type="datetimeFigureOut">
               <a:rPr lang="en-US" dirty="0"/>
               <a:pPr/>
-              <a:t>2/2/2021</a:t>
+              <a:t>2/10/2021</a:t>
             </a:fld>
             <a:endParaRPr lang="en-US" dirty="0"/>
           </a:p>
@@ -4110,7 +4110,7 @@
             <a:fld id="{B61BEF0D-F0BB-DE4B-95CE-6DB70DBA9567}" type="datetimeFigureOut">
               <a:rPr lang="en-US" dirty="0"/>
               <a:pPr/>
-              <a:t>2/2/2021</a:t>
+              <a:t>2/10/2021</a:t>
             </a:fld>
             <a:endParaRPr lang="en-US" dirty="0"/>
           </a:p>
@@ -4390,7 +4390,7 @@
             <a:fld id="{B61BEF0D-F0BB-DE4B-95CE-6DB70DBA9567}" type="datetimeFigureOut">
               <a:rPr lang="en-US" dirty="0"/>
               <a:pPr/>
-              <a:t>2/2/2021</a:t>
+              <a:t>2/10/2021</a:t>
             </a:fld>
             <a:endParaRPr lang="en-US" dirty="0"/>
           </a:p>
@@ -4793,7 +4793,7 @@
             <a:fld id="{B61BEF0D-F0BB-DE4B-95CE-6DB70DBA9567}" type="datetimeFigureOut">
               <a:rPr lang="en-US" dirty="0"/>
               <a:pPr/>
-              <a:t>2/2/2021</a:t>
+              <a:t>2/10/2021</a:t>
             </a:fld>
             <a:endParaRPr lang="en-US" dirty="0"/>
           </a:p>
